--- a/fraud_detection.pptx
+++ b/fraud_detection.pptx
@@ -5,7 +5,7 @@
     <p:sldMasterId id="2147484308" r:id="rId1"/>
   </p:sldMasterIdLst>
   <p:notesMasterIdLst>
-    <p:notesMasterId r:id="rId34"/>
+    <p:notesMasterId r:id="rId35"/>
   </p:notesMasterIdLst>
   <p:sldIdLst>
     <p:sldId id="256" r:id="rId2"/>
@@ -40,6 +40,7 @@
     <p:sldId id="291" r:id="rId31"/>
     <p:sldId id="283" r:id="rId32"/>
     <p:sldId id="294" r:id="rId33"/>
+    <p:sldId id="296" r:id="rId34"/>
   </p:sldIdLst>
   <p:sldSz cx="12192000" cy="6858000"/>
   <p:notesSz cx="6858000" cy="9144000"/>
@@ -228,7 +229,7 @@
           <a:p>
             <a:fld id="{E1B3D495-C9D2-2147-BC11-C749806039C4}" type="datetimeFigureOut">
               <a:rPr lang="en-US" smtClean="0"/>
-              <a:t>10/4/19</a:t>
+              <a:t>12/4/19</a:t>
             </a:fld>
             <a:endParaRPr lang="en-US"/>
           </a:p>
@@ -1048,7 +1049,7 @@
             <a:fld id="{B61BEF0D-F0BB-DE4B-95CE-6DB70DBA9567}" type="datetimeFigureOut">
               <a:rPr lang="en-US" smtClean="0"/>
               <a:pPr/>
-              <a:t>10/4/19</a:t>
+              <a:t>12/4/19</a:t>
             </a:fld>
             <a:endParaRPr lang="en-US" dirty="0"/>
           </a:p>
@@ -1220,7 +1221,7 @@
             <a:fld id="{B61BEF0D-F0BB-DE4B-95CE-6DB70DBA9567}" type="datetimeFigureOut">
               <a:rPr lang="en-US" smtClean="0"/>
               <a:pPr/>
-              <a:t>10/4/19</a:t>
+              <a:t>12/4/19</a:t>
             </a:fld>
             <a:endParaRPr lang="en-US" dirty="0"/>
           </a:p>
@@ -1397,7 +1398,7 @@
             <a:fld id="{B61BEF0D-F0BB-DE4B-95CE-6DB70DBA9567}" type="datetimeFigureOut">
               <a:rPr lang="en-US" smtClean="0"/>
               <a:pPr/>
-              <a:t>10/4/19</a:t>
+              <a:t>12/4/19</a:t>
             </a:fld>
             <a:endParaRPr lang="en-US" dirty="0"/>
           </a:p>
@@ -1569,7 +1570,7 @@
             <a:fld id="{B61BEF0D-F0BB-DE4B-95CE-6DB70DBA9567}" type="datetimeFigureOut">
               <a:rPr lang="en-US" smtClean="0"/>
               <a:pPr/>
-              <a:t>10/4/19</a:t>
+              <a:t>12/4/19</a:t>
             </a:fld>
             <a:endParaRPr lang="en-US" dirty="0"/>
           </a:p>
@@ -1812,7 +1813,7 @@
             <a:fld id="{B61BEF0D-F0BB-DE4B-95CE-6DB70DBA9567}" type="datetimeFigureOut">
               <a:rPr lang="en-US" smtClean="0"/>
               <a:pPr/>
-              <a:t>10/4/19</a:t>
+              <a:t>12/4/19</a:t>
             </a:fld>
             <a:endParaRPr lang="en-US" dirty="0"/>
           </a:p>
@@ -2046,7 +2047,7 @@
             <a:fld id="{B61BEF0D-F0BB-DE4B-95CE-6DB70DBA9567}" type="datetimeFigureOut">
               <a:rPr lang="en-US" smtClean="0"/>
               <a:pPr/>
-              <a:t>10/4/19</a:t>
+              <a:t>12/4/19</a:t>
             </a:fld>
             <a:endParaRPr lang="en-US" dirty="0"/>
           </a:p>
@@ -2415,7 +2416,7 @@
             <a:fld id="{B61BEF0D-F0BB-DE4B-95CE-6DB70DBA9567}" type="datetimeFigureOut">
               <a:rPr lang="en-US" smtClean="0"/>
               <a:pPr/>
-              <a:t>10/4/19</a:t>
+              <a:t>12/4/19</a:t>
             </a:fld>
             <a:endParaRPr lang="en-US" dirty="0"/>
           </a:p>
@@ -2535,7 +2536,7 @@
             <a:fld id="{B61BEF0D-F0BB-DE4B-95CE-6DB70DBA9567}" type="datetimeFigureOut">
               <a:rPr lang="en-US" smtClean="0"/>
               <a:pPr/>
-              <a:t>10/4/19</a:t>
+              <a:t>12/4/19</a:t>
             </a:fld>
             <a:endParaRPr lang="en-US" dirty="0"/>
           </a:p>
@@ -2627,7 +2628,7 @@
             <a:fld id="{B61BEF0D-F0BB-DE4B-95CE-6DB70DBA9567}" type="datetimeFigureOut">
               <a:rPr lang="en-US" smtClean="0"/>
               <a:pPr/>
-              <a:t>10/4/19</a:t>
+              <a:t>12/4/19</a:t>
             </a:fld>
             <a:endParaRPr lang="en-US" dirty="0"/>
           </a:p>
@@ -2906,7 +2907,7 @@
             <a:fld id="{B61BEF0D-F0BB-DE4B-95CE-6DB70DBA9567}" type="datetimeFigureOut">
               <a:rPr lang="en-US" smtClean="0"/>
               <a:pPr/>
-              <a:t>10/4/19</a:t>
+              <a:t>12/4/19</a:t>
             </a:fld>
             <a:endParaRPr lang="en-US" dirty="0"/>
           </a:p>
@@ -3165,7 +3166,7 @@
             <a:fld id="{B61BEF0D-F0BB-DE4B-95CE-6DB70DBA9567}" type="datetimeFigureOut">
               <a:rPr lang="en-US" smtClean="0"/>
               <a:pPr/>
-              <a:t>10/4/19</a:t>
+              <a:t>12/4/19</a:t>
             </a:fld>
             <a:endParaRPr lang="en-US" dirty="0"/>
           </a:p>
@@ -3380,7 +3381,7 @@
             <a:fld id="{B61BEF0D-F0BB-DE4B-95CE-6DB70DBA9567}" type="datetimeFigureOut">
               <a:rPr lang="en-US" smtClean="0"/>
               <a:pPr/>
-              <a:t>10/4/19</a:t>
+              <a:t>12/4/19</a:t>
             </a:fld>
             <a:endParaRPr lang="en-US" dirty="0"/>
           </a:p>
@@ -3829,14 +3830,6 @@
           <a:bodyPr/>
           <a:lstStyle/>
           <a:p>
-            <a:r>
-              <a:rPr lang="en-US" dirty="0" smtClean="0"/>
-              <a:t>Angelina </a:t>
-            </a:r>
-            <a:r>
-              <a:rPr lang="en-US" dirty="0" err="1" smtClean="0"/>
-              <a:t>Nikoloff</a:t>
-            </a:r>
             <a:endParaRPr lang="en-US" dirty="0"/>
           </a:p>
         </p:txBody>
@@ -4475,7 +4468,6 @@
               <a:rPr lang="en-US" dirty="0" smtClean="0"/>
               <a:t>Distance</a:t>
             </a:r>
-            <a:endParaRPr lang="en-US" dirty="0" smtClean="0"/>
           </a:p>
         </p:txBody>
       </p:sp>
@@ -5126,7 +5118,7 @@
                 <a:ea typeface="Gill Sans" charset="0"/>
                 <a:cs typeface="Gill Sans" charset="0"/>
               </a:rPr>
-              <a:t>The Problem</a:t>
+              <a:t>Problem</a:t>
             </a:r>
             <a:endParaRPr lang="en-US" dirty="0">
               <a:latin typeface="Gill Sans" charset="0"/>
@@ -5325,7 +5317,11 @@
           <a:p>
             <a:r>
               <a:rPr lang="en-US" dirty="0" smtClean="0"/>
-              <a:t>Data Preparation</a:t>
+              <a:t>Data </a:t>
+            </a:r>
+            <a:r>
+              <a:rPr lang="en-US" dirty="0" smtClean="0"/>
+              <a:t>Preparation Summary</a:t>
             </a:r>
             <a:endParaRPr lang="en-US" dirty="0"/>
           </a:p>
@@ -5366,19 +5362,7 @@
           <a:p>
             <a:r>
               <a:rPr lang="en-US" dirty="0" smtClean="0"/>
-              <a:t>Some </a:t>
-            </a:r>
-            <a:r>
-              <a:rPr lang="en-US" dirty="0" smtClean="0"/>
-              <a:t>variables</a:t>
-            </a:r>
-            <a:r>
-              <a:rPr lang="en-US" dirty="0" smtClean="0"/>
-              <a:t> </a:t>
-            </a:r>
-            <a:r>
-              <a:rPr lang="en-US" dirty="0" smtClean="0"/>
-              <a:t>had a lot of missing values</a:t>
+              <a:t>Some variables had a lot of missing values</a:t>
             </a:r>
             <a:endParaRPr lang="en-US" dirty="0"/>
           </a:p>
@@ -5708,22 +5692,36 @@
           <a:p>
             <a:r>
               <a:rPr lang="en-US" dirty="0" smtClean="0"/>
-              <a:t>Logistic Regression</a:t>
-            </a:r>
-          </a:p>
-          <a:p>
+              <a:t>Model Selection and Tuning:</a:t>
+            </a:r>
+          </a:p>
+          <a:p>
+            <a:pPr lvl="1"/>
+            <a:r>
+              <a:rPr lang="en-US" dirty="0" smtClean="0"/>
+              <a:t>Logistic </a:t>
+            </a:r>
+            <a:r>
+              <a:rPr lang="en-US" dirty="0" smtClean="0"/>
+              <a:t>Regression</a:t>
+            </a:r>
+          </a:p>
+          <a:p>
+            <a:pPr lvl="1"/>
             <a:r>
               <a:rPr lang="en-US" dirty="0" smtClean="0"/>
               <a:t>Decision Tree</a:t>
             </a:r>
           </a:p>
           <a:p>
+            <a:pPr lvl="1"/>
             <a:r>
               <a:rPr lang="en-US" dirty="0" smtClean="0"/>
               <a:t>Gradient Boosting Classifier</a:t>
             </a:r>
           </a:p>
           <a:p>
+            <a:pPr lvl="1"/>
             <a:r>
               <a:rPr lang="en-US" dirty="0" smtClean="0"/>
               <a:t>Random Forest Classifier</a:t>
@@ -5791,7 +5789,7 @@
             <a:spLocks noGrp="1"/>
           </p:cNvSpPr>
           <p:nvPr>
-            <p:ph idx="1"/>
+            <p:ph sz="half" idx="1"/>
           </p:nvPr>
         </p:nvSpPr>
         <p:spPr/>
@@ -5825,8 +5823,13 @@
             <a:pPr lvl="1"/>
             <a:r>
               <a:rPr lang="en-US" dirty="0" smtClean="0"/>
-              <a:t>Recall: 0.64</a:t>
-            </a:r>
+              <a:t>Recall: </a:t>
+            </a:r>
+            <a:r>
+              <a:rPr lang="en-US" dirty="0" smtClean="0"/>
+              <a:t>0.67</a:t>
+            </a:r>
+            <a:endParaRPr lang="en-US" dirty="0" smtClean="0"/>
           </a:p>
           <a:p>
             <a:pPr lvl="1"/>
@@ -5836,11 +5839,13 @@
       </p:sp>
       <p:pic>
         <p:nvPicPr>
-          <p:cNvPr id="6" name="Picture 5"/>
+          <p:cNvPr id="5" name="Content Placeholder 4"/>
           <p:cNvPicPr>
-            <a:picLocks noChangeAspect="1"/>
+            <a:picLocks noGrp="1" noChangeAspect="1"/>
           </p:cNvPicPr>
-          <p:nvPr/>
+          <p:nvPr>
+            <p:ph sz="half" idx="2"/>
+          </p:nvPr>
         </p:nvPicPr>
         <p:blipFill>
           <a:blip r:embed="rId2">
@@ -5856,12 +5861,9 @@
         </p:blipFill>
         <p:spPr>
           <a:xfrm>
-            <a:off x="4956289" y="1715294"/>
-            <a:ext cx="6397511" cy="4572000"/>
+            <a:off x="5529263" y="1690294"/>
+            <a:ext cx="5703887" cy="4076300"/>
           </a:xfrm>
-          <a:prstGeom prst="rect">
-            <a:avLst/>
-          </a:prstGeom>
         </p:spPr>
       </p:pic>
     </p:spTree>
@@ -5924,7 +5926,7 @@
             <a:spLocks noGrp="1"/>
           </p:cNvSpPr>
           <p:nvPr>
-            <p:ph idx="1"/>
+            <p:ph sz="half" idx="1"/>
           </p:nvPr>
         </p:nvSpPr>
         <p:spPr/>
@@ -5981,11 +5983,13 @@
       </p:sp>
       <p:pic>
         <p:nvPicPr>
-          <p:cNvPr id="6" name="Picture 5"/>
+          <p:cNvPr id="5" name="Content Placeholder 4"/>
           <p:cNvPicPr>
-            <a:picLocks noChangeAspect="1"/>
+            <a:picLocks noGrp="1" noChangeAspect="1"/>
           </p:cNvPicPr>
-          <p:nvPr/>
+          <p:nvPr>
+            <p:ph sz="half" idx="2"/>
+          </p:nvPr>
         </p:nvPicPr>
         <p:blipFill>
           <a:blip r:embed="rId2">
@@ -6001,12 +6005,9 @@
         </p:blipFill>
         <p:spPr>
           <a:xfrm>
-            <a:off x="4956289" y="1715294"/>
-            <a:ext cx="6397511" cy="4572000"/>
+            <a:off x="5529263" y="1690294"/>
+            <a:ext cx="5703887" cy="4076300"/>
           </a:xfrm>
-          <a:prstGeom prst="rect">
-            <a:avLst/>
-          </a:prstGeom>
         </p:spPr>
       </p:pic>
     </p:spTree>
@@ -6056,7 +6057,7 @@
           <a:p>
             <a:r>
               <a:rPr lang="en-US" dirty="0" smtClean="0"/>
-              <a:t>Data Preparation</a:t>
+              <a:t>Modeling</a:t>
             </a:r>
             <a:endParaRPr lang="en-US" dirty="0"/>
           </a:p>
@@ -6151,7 +6152,7 @@
             <a:spLocks noGrp="1"/>
           </p:cNvSpPr>
           <p:nvPr>
-            <p:ph idx="1"/>
+            <p:ph sz="half" idx="1"/>
           </p:nvPr>
         </p:nvSpPr>
         <p:spPr/>
@@ -6175,7 +6176,7 @@
             </a:r>
             <a:r>
               <a:rPr lang="en-US" dirty="0" smtClean="0"/>
-              <a:t>0.8753</a:t>
+              <a:t>0.8759</a:t>
             </a:r>
             <a:endParaRPr lang="en-US" dirty="0"/>
           </a:p>
@@ -6207,11 +6208,13 @@
       </p:sp>
       <p:pic>
         <p:nvPicPr>
-          <p:cNvPr id="6" name="Picture 5"/>
+          <p:cNvPr id="5" name="Content Placeholder 4"/>
           <p:cNvPicPr>
-            <a:picLocks noChangeAspect="1"/>
+            <a:picLocks noGrp="1" noChangeAspect="1"/>
           </p:cNvPicPr>
-          <p:nvPr/>
+          <p:nvPr>
+            <p:ph sz="half" idx="2"/>
+          </p:nvPr>
         </p:nvPicPr>
         <p:blipFill>
           <a:blip r:embed="rId2">
@@ -6227,12 +6230,9 @@
         </p:blipFill>
         <p:spPr>
           <a:xfrm>
-            <a:off x="4956289" y="1715294"/>
-            <a:ext cx="6397511" cy="4572000"/>
+            <a:off x="5529263" y="1690294"/>
+            <a:ext cx="5703887" cy="4076300"/>
           </a:xfrm>
-          <a:prstGeom prst="rect">
-            <a:avLst/>
-          </a:prstGeom>
         </p:spPr>
       </p:pic>
     </p:spTree>
@@ -6275,12 +6275,7 @@
             <p:ph type="title"/>
           </p:nvPr>
         </p:nvSpPr>
-        <p:spPr>
-          <a:xfrm>
-            <a:off x="838200" y="352919"/>
-            <a:ext cx="10515600" cy="1325563"/>
-          </a:xfrm>
-        </p:spPr>
+        <p:spPr/>
         <p:txBody>
           <a:bodyPr/>
           <a:lstStyle/>
@@ -6300,7 +6295,7 @@
             <a:spLocks noGrp="1"/>
           </p:cNvSpPr>
           <p:nvPr>
-            <p:ph idx="1"/>
+            <p:ph sz="half" idx="1"/>
           </p:nvPr>
         </p:nvSpPr>
         <p:spPr/>
@@ -6324,7 +6319,7 @@
             </a:r>
             <a:r>
               <a:rPr lang="en-US" dirty="0" smtClean="0"/>
-              <a:t>0.9327</a:t>
+              <a:t>0.9329</a:t>
             </a:r>
             <a:endParaRPr lang="en-US" dirty="0"/>
           </a:p>
@@ -6362,11 +6357,13 @@
       </p:sp>
       <p:pic>
         <p:nvPicPr>
-          <p:cNvPr id="6" name="Picture 5"/>
+          <p:cNvPr id="5" name="Content Placeholder 4"/>
           <p:cNvPicPr>
-            <a:picLocks noChangeAspect="1"/>
+            <a:picLocks noGrp="1" noChangeAspect="1"/>
           </p:cNvPicPr>
-          <p:nvPr/>
+          <p:nvPr>
+            <p:ph sz="half" idx="2"/>
+          </p:nvPr>
         </p:nvPicPr>
         <p:blipFill>
           <a:blip r:embed="rId2">
@@ -6382,12 +6379,9 @@
         </p:blipFill>
         <p:spPr>
           <a:xfrm>
-            <a:off x="4956289" y="1715294"/>
-            <a:ext cx="6397511" cy="4572000"/>
+            <a:off x="5529263" y="1690294"/>
+            <a:ext cx="5703887" cy="4076300"/>
           </a:xfrm>
-          <a:prstGeom prst="rect">
-            <a:avLst/>
-          </a:prstGeom>
         </p:spPr>
       </p:pic>
     </p:spTree>
@@ -6441,7 +6435,7 @@
                 <a:ea typeface="Gill Sans" charset="0"/>
                 <a:cs typeface="Gill Sans" charset="0"/>
               </a:rPr>
-              <a:t>The Solution</a:t>
+              <a:t>Solution</a:t>
             </a:r>
             <a:endParaRPr lang="en-US" dirty="0">
               <a:latin typeface="Gill Sans" charset="0"/>
@@ -6593,7 +6587,7 @@
             <a:spLocks noGrp="1"/>
           </p:cNvSpPr>
           <p:nvPr>
-            <p:ph idx="1"/>
+            <p:ph sz="half" idx="1"/>
           </p:nvPr>
         </p:nvSpPr>
         <p:spPr/>
@@ -6617,7 +6611,7 @@
             </a:r>
             <a:r>
               <a:rPr lang="en-US" dirty="0" smtClean="0"/>
-              <a:t>0.9334</a:t>
+              <a:t>0.9315</a:t>
             </a:r>
             <a:endParaRPr lang="en-US" dirty="0"/>
           </a:p>
@@ -6649,11 +6643,13 @@
       </p:sp>
       <p:pic>
         <p:nvPicPr>
-          <p:cNvPr id="4" name="Picture 3"/>
+          <p:cNvPr id="6" name="Content Placeholder 5"/>
           <p:cNvPicPr>
-            <a:picLocks noChangeAspect="1"/>
+            <a:picLocks noGrp="1" noChangeAspect="1"/>
           </p:cNvPicPr>
-          <p:nvPr/>
+          <p:nvPr>
+            <p:ph sz="half" idx="2"/>
+          </p:nvPr>
         </p:nvPicPr>
         <p:blipFill>
           <a:blip r:embed="rId2">
@@ -6669,12 +6665,9 @@
         </p:blipFill>
         <p:spPr>
           <a:xfrm>
-            <a:off x="4956289" y="1715294"/>
-            <a:ext cx="6397511" cy="4572000"/>
+            <a:off x="5529263" y="1690294"/>
+            <a:ext cx="5703887" cy="4076300"/>
           </a:xfrm>
-          <a:prstGeom prst="rect">
-            <a:avLst/>
-          </a:prstGeom>
         </p:spPr>
       </p:pic>
     </p:spTree>
@@ -6750,15 +6743,7 @@
             </a:pPr>
             <a:r>
               <a:rPr lang="en-US" dirty="0" smtClean="0"/>
-              <a:t>Important </a:t>
-            </a:r>
-            <a:r>
-              <a:rPr lang="en-US" dirty="0" smtClean="0"/>
-              <a:t>Features </a:t>
-            </a:r>
-            <a:r>
-              <a:rPr lang="en-US" dirty="0" smtClean="0"/>
-              <a:t>(&gt;= 0.03):</a:t>
+              <a:t>Important Features (&gt;= 0.03):</a:t>
             </a:r>
           </a:p>
           <a:p>
@@ -6894,7 +6879,7 @@
             <p:ph idx="1"/>
             <p:extLst>
               <p:ext uri="{D42A27DB-BD31-4B8C-83A1-F6EECF244321}">
-                <p14:modId xmlns:p14="http://schemas.microsoft.com/office/powerpoint/2010/main" val="1736989343"/>
+                <p14:modId xmlns:p14="http://schemas.microsoft.com/office/powerpoint/2010/main" val="1539354673"/>
               </p:ext>
             </p:extLst>
           </p:nvPr>
@@ -7201,15 +7186,22 @@
                     <a:p>
                       <a:pPr algn="ctr" fontAlgn="b"/>
                       <a:r>
-                        <a:rPr lang="nb-NO" sz="2400" b="0" i="0" u="none" strike="noStrike" dirty="0">
+                        <a:rPr lang="nb-NO" sz="2400" b="0" i="0" u="none" strike="noStrike" dirty="0" smtClean="0">
                           <a:solidFill>
                             <a:srgbClr val="000000"/>
                           </a:solidFill>
                           <a:effectLst/>
                           <a:latin typeface="+mn-lt"/>
                         </a:rPr>
-                        <a:t>0.9334</a:t>
+                        <a:t>0.9315</a:t>
                       </a:r>
+                      <a:endParaRPr lang="nb-NO" sz="2400" b="0" i="0" u="none" strike="noStrike" dirty="0">
+                        <a:solidFill>
+                          <a:srgbClr val="000000"/>
+                        </a:solidFill>
+                        <a:effectLst/>
+                        <a:latin typeface="+mn-lt"/>
+                      </a:endParaRPr>
                     </a:p>
                   </a:txBody>
                   <a:tcPr marL="6350" marR="6350" marT="6350" marB="0" anchor="b">
@@ -7372,6 +7364,59 @@
 </p:sld>
 </file>
 
+<file path=ppt/slides/slide33.xml><?xml version="1.0" encoding="utf-8"?>
+<p:sld xmlns:a="http://schemas.openxmlformats.org/drawingml/2006/main" xmlns:r="http://schemas.openxmlformats.org/officeDocument/2006/relationships" xmlns:p="http://schemas.openxmlformats.org/presentationml/2006/main">
+  <p:cSld>
+    <p:spTree>
+      <p:nvGrpSpPr>
+        <p:cNvPr id="1" name=""/>
+        <p:cNvGrpSpPr/>
+        <p:nvPr/>
+      </p:nvGrpSpPr>
+      <p:grpSpPr>
+        <a:xfrm>
+          <a:off x="0" y="0"/>
+          <a:ext cx="0" cy="0"/>
+          <a:chOff x="0" y="0"/>
+          <a:chExt cx="0" cy="0"/>
+        </a:xfrm>
+      </p:grpSpPr>
+      <p:sp>
+        <p:nvSpPr>
+          <p:cNvPr id="2" name="Title 1"/>
+          <p:cNvSpPr>
+            <a:spLocks noGrp="1"/>
+          </p:cNvSpPr>
+          <p:nvPr>
+            <p:ph type="title"/>
+          </p:nvPr>
+        </p:nvSpPr>
+        <p:spPr/>
+        <p:txBody>
+          <a:bodyPr/>
+          <a:lstStyle/>
+          <a:p>
+            <a:r>
+              <a:rPr lang="en-US" dirty="0" smtClean="0"/>
+              <a:t>Q&amp;A</a:t>
+            </a:r>
+            <a:endParaRPr lang="en-US" dirty="0"/>
+          </a:p>
+        </p:txBody>
+      </p:sp>
+    </p:spTree>
+    <p:extLst>
+      <p:ext uri="{BB962C8B-B14F-4D97-AF65-F5344CB8AC3E}">
+        <p14:creationId xmlns:p14="http://schemas.microsoft.com/office/powerpoint/2010/main" val="2004377608"/>
+      </p:ext>
+    </p:extLst>
+  </p:cSld>
+  <p:clrMapOvr>
+    <a:masterClrMapping/>
+  </p:clrMapOvr>
+</p:sld>
+</file>
+
 <file path=ppt/slides/slide4.xml><?xml version="1.0" encoding="utf-8"?>
 <p:sld xmlns:a="http://schemas.openxmlformats.org/drawingml/2006/main" xmlns:r="http://schemas.openxmlformats.org/officeDocument/2006/relationships" xmlns:p="http://schemas.openxmlformats.org/presentationml/2006/main">
   <p:cSld>
@@ -7765,13 +7810,8 @@
           <a:p>
             <a:r>
               <a:rPr lang="en-US" dirty="0" smtClean="0"/>
-              <a:t>Transform </a:t>
-            </a:r>
-            <a:r>
-              <a:rPr lang="en-US" dirty="0" smtClean="0"/>
-              <a:t>variables</a:t>
-            </a:r>
-            <a:endParaRPr lang="en-US" dirty="0" smtClean="0"/>
+              <a:t>Transform variables</a:t>
+            </a:r>
           </a:p>
           <a:p>
             <a:r>
